--- a/docs/images/dataTransferClasses.pptx
+++ b/docs/images/dataTransferClasses.pptx
@@ -305,7 +305,7 @@
             <a:fld id="{1D8BD707-D9CF-40AE-B4C6-C98DA3205C09}" type="datetimeFigureOut">
               <a:rPr lang="en-US" smtClean="0"/>
               <a:pPr/>
-              <a:t>3/22/2016</a:t>
+              <a:t>1/28/2017</a:t>
             </a:fld>
             <a:endParaRPr lang="en-US"/>
           </a:p>
@@ -472,7 +472,7 @@
             <a:fld id="{1D8BD707-D9CF-40AE-B4C6-C98DA3205C09}" type="datetimeFigureOut">
               <a:rPr lang="en-US" smtClean="0"/>
               <a:pPr/>
-              <a:t>3/22/2016</a:t>
+              <a:t>1/28/2017</a:t>
             </a:fld>
             <a:endParaRPr lang="en-US"/>
           </a:p>
@@ -649,7 +649,7 @@
             <a:fld id="{1D8BD707-D9CF-40AE-B4C6-C98DA3205C09}" type="datetimeFigureOut">
               <a:rPr lang="en-US" smtClean="0"/>
               <a:pPr/>
-              <a:t>3/22/2016</a:t>
+              <a:t>1/28/2017</a:t>
             </a:fld>
             <a:endParaRPr lang="en-US"/>
           </a:p>
@@ -816,7 +816,7 @@
             <a:fld id="{1D8BD707-D9CF-40AE-B4C6-C98DA3205C09}" type="datetimeFigureOut">
               <a:rPr lang="en-US" smtClean="0"/>
               <a:pPr/>
-              <a:t>3/22/2016</a:t>
+              <a:t>1/28/2017</a:t>
             </a:fld>
             <a:endParaRPr lang="en-US"/>
           </a:p>
@@ -1059,7 +1059,7 @@
             <a:fld id="{1D8BD707-D9CF-40AE-B4C6-C98DA3205C09}" type="datetimeFigureOut">
               <a:rPr lang="en-US" smtClean="0"/>
               <a:pPr/>
-              <a:t>3/22/2016</a:t>
+              <a:t>1/28/2017</a:t>
             </a:fld>
             <a:endParaRPr lang="en-US"/>
           </a:p>
@@ -1344,7 +1344,7 @@
             <a:fld id="{1D8BD707-D9CF-40AE-B4C6-C98DA3205C09}" type="datetimeFigureOut">
               <a:rPr lang="en-US" smtClean="0"/>
               <a:pPr/>
-              <a:t>3/22/2016</a:t>
+              <a:t>1/28/2017</a:t>
             </a:fld>
             <a:endParaRPr lang="en-US"/>
           </a:p>
@@ -1763,7 +1763,7 @@
             <a:fld id="{1D8BD707-D9CF-40AE-B4C6-C98DA3205C09}" type="datetimeFigureOut">
               <a:rPr lang="en-US" smtClean="0"/>
               <a:pPr/>
-              <a:t>3/22/2016</a:t>
+              <a:t>1/28/2017</a:t>
             </a:fld>
             <a:endParaRPr lang="en-US"/>
           </a:p>
@@ -1878,7 +1878,7 @@
             <a:fld id="{1D8BD707-D9CF-40AE-B4C6-C98DA3205C09}" type="datetimeFigureOut">
               <a:rPr lang="en-US" smtClean="0"/>
               <a:pPr/>
-              <a:t>3/22/2016</a:t>
+              <a:t>1/28/2017</a:t>
             </a:fld>
             <a:endParaRPr lang="en-US"/>
           </a:p>
@@ -1970,7 +1970,7 @@
             <a:fld id="{1D8BD707-D9CF-40AE-B4C6-C98DA3205C09}" type="datetimeFigureOut">
               <a:rPr lang="en-US" smtClean="0"/>
               <a:pPr/>
-              <a:t>3/22/2016</a:t>
+              <a:t>1/28/2017</a:t>
             </a:fld>
             <a:endParaRPr lang="en-US"/>
           </a:p>
@@ -2244,7 +2244,7 @@
             <a:fld id="{1D8BD707-D9CF-40AE-B4C6-C98DA3205C09}" type="datetimeFigureOut">
               <a:rPr lang="en-US" smtClean="0"/>
               <a:pPr/>
-              <a:t>3/22/2016</a:t>
+              <a:t>1/28/2017</a:t>
             </a:fld>
             <a:endParaRPr lang="en-US"/>
           </a:p>
@@ -2494,7 +2494,7 @@
             <a:fld id="{1D8BD707-D9CF-40AE-B4C6-C98DA3205C09}" type="datetimeFigureOut">
               <a:rPr lang="en-US" smtClean="0"/>
               <a:pPr/>
-              <a:t>3/22/2016</a:t>
+              <a:t>1/28/2017</a:t>
             </a:fld>
             <a:endParaRPr lang="en-US"/>
           </a:p>
@@ -2704,7 +2704,7 @@
             <a:fld id="{1D8BD707-D9CF-40AE-B4C6-C98DA3205C09}" type="datetimeFigureOut">
               <a:rPr lang="en-US" smtClean="0"/>
               <a:pPr/>
-              <a:t>3/22/2016</a:t>
+              <a:t>1/28/2017</a:t>
             </a:fld>
             <a:endParaRPr lang="en-US"/>
           </a:p>
@@ -4082,8 +4082,8 @@
         </p:nvSpPr>
         <p:spPr>
           <a:xfrm>
-            <a:off x="609600" y="0"/>
-            <a:ext cx="533400" cy="369332"/>
+            <a:off x="76200" y="0"/>
+            <a:ext cx="1524000" cy="369332"/>
           </a:xfrm>
           <a:prstGeom prst="rect">
             <a:avLst/>
@@ -4096,9 +4096,10 @@
           </a:bodyPr>
           <a:lstStyle/>
           <a:p>
+            <a:pPr algn="ctr"/>
             <a:r>
               <a:rPr lang="en-US" dirty="0" smtClean="0"/>
-              <a:t>(a)</a:t>
+              <a:t>(1)</a:t>
             </a:r>
             <a:endParaRPr lang="en-US" dirty="0"/>
           </a:p>
@@ -4112,8 +4113,8 @@
         </p:nvSpPr>
         <p:spPr>
           <a:xfrm>
-            <a:off x="3048000" y="11668"/>
-            <a:ext cx="533400" cy="369332"/>
+            <a:off x="2743200" y="11668"/>
+            <a:ext cx="2057400" cy="369332"/>
           </a:xfrm>
           <a:prstGeom prst="rect">
             <a:avLst/>
@@ -4126,9 +4127,10 @@
           </a:bodyPr>
           <a:lstStyle/>
           <a:p>
+            <a:pPr algn="ctr"/>
             <a:r>
               <a:rPr lang="en-US" dirty="0" smtClean="0"/>
-              <a:t>(b)</a:t>
+              <a:t>(2)</a:t>
             </a:r>
             <a:endParaRPr lang="en-US" dirty="0"/>
           </a:p>
@@ -4142,8 +4144,8 @@
         </p:nvSpPr>
         <p:spPr>
           <a:xfrm>
-            <a:off x="6463640" y="0"/>
-            <a:ext cx="533400" cy="369332"/>
+            <a:off x="5535880" y="0"/>
+            <a:ext cx="2998520" cy="369332"/>
           </a:xfrm>
           <a:prstGeom prst="rect">
             <a:avLst/>
@@ -4156,9 +4158,10 @@
           </a:bodyPr>
           <a:lstStyle/>
           <a:p>
+            <a:pPr algn="ctr"/>
             <a:r>
               <a:rPr lang="en-US" dirty="0" smtClean="0"/>
-              <a:t>(c)</a:t>
+              <a:t>(3)</a:t>
             </a:r>
             <a:endParaRPr lang="en-US" dirty="0"/>
           </a:p>

--- a/docs/images/dataTransferClasses.pptx
+++ b/docs/images/dataTransferClasses.pptx
@@ -305,7 +305,7 @@
             <a:fld id="{1D8BD707-D9CF-40AE-B4C6-C98DA3205C09}" type="datetimeFigureOut">
               <a:rPr lang="en-US" smtClean="0"/>
               <a:pPr/>
-              <a:t>1/28/2017</a:t>
+              <a:t>8/14/2020</a:t>
             </a:fld>
             <a:endParaRPr lang="en-US"/>
           </a:p>
@@ -472,7 +472,7 @@
             <a:fld id="{1D8BD707-D9CF-40AE-B4C6-C98DA3205C09}" type="datetimeFigureOut">
               <a:rPr lang="en-US" smtClean="0"/>
               <a:pPr/>
-              <a:t>1/28/2017</a:t>
+              <a:t>8/14/2020</a:t>
             </a:fld>
             <a:endParaRPr lang="en-US"/>
           </a:p>
@@ -649,7 +649,7 @@
             <a:fld id="{1D8BD707-D9CF-40AE-B4C6-C98DA3205C09}" type="datetimeFigureOut">
               <a:rPr lang="en-US" smtClean="0"/>
               <a:pPr/>
-              <a:t>1/28/2017</a:t>
+              <a:t>8/14/2020</a:t>
             </a:fld>
             <a:endParaRPr lang="en-US"/>
           </a:p>
@@ -816,7 +816,7 @@
             <a:fld id="{1D8BD707-D9CF-40AE-B4C6-C98DA3205C09}" type="datetimeFigureOut">
               <a:rPr lang="en-US" smtClean="0"/>
               <a:pPr/>
-              <a:t>1/28/2017</a:t>
+              <a:t>8/14/2020</a:t>
             </a:fld>
             <a:endParaRPr lang="en-US"/>
           </a:p>
@@ -1059,7 +1059,7 @@
             <a:fld id="{1D8BD707-D9CF-40AE-B4C6-C98DA3205C09}" type="datetimeFigureOut">
               <a:rPr lang="en-US" smtClean="0"/>
               <a:pPr/>
-              <a:t>1/28/2017</a:t>
+              <a:t>8/14/2020</a:t>
             </a:fld>
             <a:endParaRPr lang="en-US"/>
           </a:p>
@@ -1344,7 +1344,7 @@
             <a:fld id="{1D8BD707-D9CF-40AE-B4C6-C98DA3205C09}" type="datetimeFigureOut">
               <a:rPr lang="en-US" smtClean="0"/>
               <a:pPr/>
-              <a:t>1/28/2017</a:t>
+              <a:t>8/14/2020</a:t>
             </a:fld>
             <a:endParaRPr lang="en-US"/>
           </a:p>
@@ -1763,7 +1763,7 @@
             <a:fld id="{1D8BD707-D9CF-40AE-B4C6-C98DA3205C09}" type="datetimeFigureOut">
               <a:rPr lang="en-US" smtClean="0"/>
               <a:pPr/>
-              <a:t>1/28/2017</a:t>
+              <a:t>8/14/2020</a:t>
             </a:fld>
             <a:endParaRPr lang="en-US"/>
           </a:p>
@@ -1878,7 +1878,7 @@
             <a:fld id="{1D8BD707-D9CF-40AE-B4C6-C98DA3205C09}" type="datetimeFigureOut">
               <a:rPr lang="en-US" smtClean="0"/>
               <a:pPr/>
-              <a:t>1/28/2017</a:t>
+              <a:t>8/14/2020</a:t>
             </a:fld>
             <a:endParaRPr lang="en-US"/>
           </a:p>
@@ -1970,7 +1970,7 @@
             <a:fld id="{1D8BD707-D9CF-40AE-B4C6-C98DA3205C09}" type="datetimeFigureOut">
               <a:rPr lang="en-US" smtClean="0"/>
               <a:pPr/>
-              <a:t>1/28/2017</a:t>
+              <a:t>8/14/2020</a:t>
             </a:fld>
             <a:endParaRPr lang="en-US"/>
           </a:p>
@@ -2244,7 +2244,7 @@
             <a:fld id="{1D8BD707-D9CF-40AE-B4C6-C98DA3205C09}" type="datetimeFigureOut">
               <a:rPr lang="en-US" smtClean="0"/>
               <a:pPr/>
-              <a:t>1/28/2017</a:t>
+              <a:t>8/14/2020</a:t>
             </a:fld>
             <a:endParaRPr lang="en-US"/>
           </a:p>
@@ -2494,7 +2494,7 @@
             <a:fld id="{1D8BD707-D9CF-40AE-B4C6-C98DA3205C09}" type="datetimeFigureOut">
               <a:rPr lang="en-US" smtClean="0"/>
               <a:pPr/>
-              <a:t>1/28/2017</a:t>
+              <a:t>8/14/2020</a:t>
             </a:fld>
             <a:endParaRPr lang="en-US"/>
           </a:p>
@@ -2704,7 +2704,7 @@
             <a:fld id="{1D8BD707-D9CF-40AE-B4C6-C98DA3205C09}" type="datetimeFigureOut">
               <a:rPr lang="en-US" smtClean="0"/>
               <a:pPr/>
-              <a:t>1/28/2017</a:t>
+              <a:t>8/14/2020</a:t>
             </a:fld>
             <a:endParaRPr lang="en-US"/>
           </a:p>
@@ -3201,7 +3201,7 @@
             <a:pPr algn="ctr"/>
             <a:r>
               <a:rPr lang="en-US" sz="1600" b="1" dirty="0" err="1" smtClean="0"/>
-              <a:t>CommentAttributes</a:t>
+              <a:t>AccountAttributes</a:t>
             </a:r>
             <a:endParaRPr lang="en-SG" sz="1600" b="1" dirty="0"/>
           </a:p>
@@ -3819,8 +3819,12 @@
           <a:p>
             <a:pPr algn="ctr"/>
             <a:r>
-              <a:rPr lang="en-US" sz="1600" b="1" dirty="0" err="1"/>
-              <a:t>CourseDetailsBundle</a:t>
+              <a:rPr lang="en-US" sz="1600" b="1" dirty="0" smtClean="0"/>
+              <a:t>*</a:t>
+            </a:r>
+            <a:r>
+              <a:rPr lang="en-US" sz="1600" b="1" dirty="0" err="1" smtClean="0"/>
+              <a:t>SearchResultBundle</a:t>
             </a:r>
             <a:endParaRPr lang="en-SG" sz="1600" b="1" dirty="0"/>
           </a:p>
@@ -3874,14 +3878,14 @@
           <p:cNvPr id="276" name="Elbow Connector 186"/>
           <p:cNvCxnSpPr>
             <a:stCxn id="275" idx="3"/>
-            <a:endCxn id="76" idx="1"/>
+            <a:endCxn id="70" idx="1"/>
           </p:cNvCxnSpPr>
           <p:nvPr/>
         </p:nvCxnSpPr>
         <p:spPr>
           <a:xfrm rot="16200000" flipH="1">
-            <a:off x="2881687" y="1004507"/>
-            <a:ext cx="276315" cy="248499"/>
+            <a:off x="2896897" y="989298"/>
+            <a:ext cx="278470" cy="281074"/>
           </a:xfrm>
           <a:prstGeom prst="bentConnector2">
             <a:avLst/>
@@ -3909,104 +3913,152 @@
       </p:cxnSp>
       <p:sp>
         <p:nvSpPr>
-          <p:cNvPr id="278" name="Rectangle 277"/>
-          <p:cNvSpPr/>
+          <p:cNvPr id="305" name="TextBox 304"/>
+          <p:cNvSpPr txBox="1"/>
           <p:nvPr/>
         </p:nvSpPr>
         <p:spPr>
           <a:xfrm>
-            <a:off x="4003093" y="3219630"/>
-            <a:ext cx="1940389" cy="361770"/>
+            <a:off x="76200" y="0"/>
+            <a:ext cx="1524000" cy="369332"/>
           </a:xfrm>
           <a:prstGeom prst="rect">
             <a:avLst/>
           </a:prstGeom>
-        </p:spPr>
-        <p:style>
-          <a:lnRef idx="2">
-            <a:schemeClr val="accent6">
-              <a:shade val="50000"/>
-            </a:schemeClr>
-          </a:lnRef>
-          <a:fillRef idx="1">
-            <a:schemeClr val="accent6"/>
-          </a:fillRef>
-          <a:effectRef idx="0">
-            <a:schemeClr val="accent6"/>
-          </a:effectRef>
-          <a:fontRef idx="minor">
-            <a:schemeClr val="lt1"/>
-          </a:fontRef>
-        </p:style>
-        <p:txBody>
-          <a:bodyPr rtlCol="0" anchor="ctr"/>
+          <a:noFill/>
+        </p:spPr>
+        <p:txBody>
+          <a:bodyPr wrap="square" rtlCol="0">
+            <a:spAutoFit/>
+          </a:bodyPr>
           <a:lstStyle/>
           <a:p>
             <a:pPr algn="ctr"/>
             <a:r>
-              <a:rPr lang="en-US" sz="1600" b="1" dirty="0" err="1" smtClean="0"/>
-              <a:t>StudentAttributes</a:t>
-            </a:r>
-            <a:endParaRPr lang="en-SG" sz="1600" b="1" dirty="0"/>
-          </a:p>
-        </p:txBody>
-      </p:sp>
-      <p:sp>
-        <p:nvSpPr>
-          <p:cNvPr id="279" name="Flowchart: Decision 278"/>
-          <p:cNvSpPr/>
+              <a:rPr lang="en-US" dirty="0" smtClean="0"/>
+              <a:t>(1)</a:t>
+            </a:r>
+            <a:endParaRPr lang="en-US" dirty="0"/>
+          </a:p>
+        </p:txBody>
+      </p:sp>
+      <p:sp>
+        <p:nvSpPr>
+          <p:cNvPr id="306" name="TextBox 305"/>
+          <p:cNvSpPr txBox="1"/>
           <p:nvPr/>
         </p:nvSpPr>
         <p:spPr>
-          <a:xfrm rot="5400000">
-            <a:off x="3733737" y="3048000"/>
-            <a:ext cx="152400" cy="152400"/>
-          </a:xfrm>
-          <a:prstGeom prst="flowChartDecision">
-            <a:avLst/>
-          </a:prstGeom>
-          <a:solidFill>
-            <a:schemeClr val="bg1"/>
-          </a:solidFill>
-        </p:spPr>
-        <p:style>
-          <a:lnRef idx="2">
-            <a:schemeClr val="accent5">
-              <a:shade val="50000"/>
-            </a:schemeClr>
-          </a:lnRef>
-          <a:fillRef idx="1">
-            <a:schemeClr val="accent5"/>
-          </a:fillRef>
-          <a:effectRef idx="0">
-            <a:schemeClr val="accent5"/>
-          </a:effectRef>
-          <a:fontRef idx="minor">
-            <a:schemeClr val="lt1"/>
-          </a:fontRef>
-        </p:style>
-        <p:txBody>
-          <a:bodyPr rtlCol="0" anchor="ctr"/>
+          <a:xfrm>
+            <a:off x="2743200" y="11668"/>
+            <a:ext cx="2057400" cy="369332"/>
+          </a:xfrm>
+          <a:prstGeom prst="rect">
+            <a:avLst/>
+          </a:prstGeom>
+          <a:noFill/>
+        </p:spPr>
+        <p:txBody>
+          <a:bodyPr wrap="square" rtlCol="0">
+            <a:spAutoFit/>
+          </a:bodyPr>
           <a:lstStyle/>
           <a:p>
             <a:pPr algn="ctr"/>
-            <a:endParaRPr lang="en-US"/>
+            <a:r>
+              <a:rPr lang="en-US" dirty="0" smtClean="0"/>
+              <a:t>(2)</a:t>
+            </a:r>
+            <a:endParaRPr lang="en-US" dirty="0"/>
+          </a:p>
+        </p:txBody>
+      </p:sp>
+      <p:sp>
+        <p:nvSpPr>
+          <p:cNvPr id="307" name="TextBox 306"/>
+          <p:cNvSpPr txBox="1"/>
+          <p:nvPr/>
+        </p:nvSpPr>
+        <p:spPr>
+          <a:xfrm>
+            <a:off x="5535880" y="0"/>
+            <a:ext cx="2998520" cy="369332"/>
+          </a:xfrm>
+          <a:prstGeom prst="rect">
+            <a:avLst/>
+          </a:prstGeom>
+          <a:noFill/>
+        </p:spPr>
+        <p:txBody>
+          <a:bodyPr wrap="square" rtlCol="0">
+            <a:spAutoFit/>
+          </a:bodyPr>
+          <a:lstStyle/>
+          <a:p>
+            <a:pPr algn="ctr"/>
+            <a:r>
+              <a:rPr lang="en-US" dirty="0" smtClean="0"/>
+              <a:t>(3)</a:t>
+            </a:r>
+            <a:endParaRPr lang="en-US" dirty="0"/>
+          </a:p>
+        </p:txBody>
+      </p:sp>
+      <p:sp>
+        <p:nvSpPr>
+          <p:cNvPr id="87" name="TextBox 86"/>
+          <p:cNvSpPr txBox="1"/>
+          <p:nvPr/>
+        </p:nvSpPr>
+        <p:spPr>
+          <a:xfrm>
+            <a:off x="2958553" y="2057400"/>
+            <a:ext cx="228600" cy="369332"/>
+          </a:xfrm>
+          <a:prstGeom prst="rect">
+            <a:avLst/>
+          </a:prstGeom>
+          <a:noFill/>
+        </p:spPr>
+        <p:txBody>
+          <a:bodyPr wrap="square" rtlCol="0">
+            <a:spAutoFit/>
+          </a:bodyPr>
+          <a:lstStyle/>
+          <a:p>
+            <a:r>
+              <a:rPr lang="en-US" dirty="0" smtClean="0">
+                <a:solidFill>
+                  <a:schemeClr val="accent5">
+                    <a:lumMod val="75000"/>
+                  </a:schemeClr>
+                </a:solidFill>
+              </a:rPr>
+              <a:t>*</a:t>
+            </a:r>
+            <a:endParaRPr lang="en-US" dirty="0">
+              <a:solidFill>
+                <a:schemeClr val="accent5">
+                  <a:lumMod val="75000"/>
+                </a:schemeClr>
+              </a:solidFill>
+            </a:endParaRPr>
           </a:p>
         </p:txBody>
       </p:sp>
       <p:cxnSp>
         <p:nvCxnSpPr>
-          <p:cNvPr id="280" name="Elbow Connector 186"/>
+          <p:cNvPr id="88" name="Elbow Connector 186"/>
           <p:cNvCxnSpPr>
-            <a:stCxn id="279" idx="3"/>
-            <a:endCxn id="278" idx="1"/>
+            <a:stCxn id="275" idx="3"/>
+            <a:endCxn id="69" idx="1"/>
           </p:cNvCxnSpPr>
           <p:nvPr/>
         </p:nvCxnSpPr>
         <p:spPr>
           <a:xfrm rot="16200000" flipH="1">
-            <a:off x="3806458" y="3203879"/>
-            <a:ext cx="200115" cy="193156"/>
+            <a:off x="2336410" y="1549784"/>
+            <a:ext cx="1415671" cy="297301"/>
           </a:xfrm>
           <a:prstGeom prst="bentConnector2">
             <a:avLst/>
@@ -4034,235 +4086,14 @@
       </p:cxnSp>
       <p:sp>
         <p:nvSpPr>
-          <p:cNvPr id="281" name="TextBox 280"/>
-          <p:cNvSpPr txBox="1"/>
-          <p:nvPr/>
-        </p:nvSpPr>
-        <p:spPr>
-          <a:xfrm>
-            <a:off x="3809942" y="3031183"/>
-            <a:ext cx="228600" cy="369332"/>
-          </a:xfrm>
-          <a:prstGeom prst="rect">
-            <a:avLst/>
-          </a:prstGeom>
-          <a:noFill/>
-        </p:spPr>
-        <p:txBody>
-          <a:bodyPr wrap="square" rtlCol="0">
-            <a:spAutoFit/>
-          </a:bodyPr>
-          <a:lstStyle/>
-          <a:p>
-            <a:r>
-              <a:rPr lang="en-US" dirty="0" smtClean="0">
-                <a:solidFill>
-                  <a:schemeClr val="accent5">
-                    <a:lumMod val="75000"/>
-                  </a:schemeClr>
-                </a:solidFill>
-              </a:rPr>
-              <a:t>*</a:t>
-            </a:r>
-            <a:endParaRPr lang="en-US" dirty="0">
-              <a:solidFill>
-                <a:schemeClr val="accent5">
-                  <a:lumMod val="75000"/>
-                </a:schemeClr>
-              </a:solidFill>
-            </a:endParaRPr>
-          </a:p>
-        </p:txBody>
-      </p:sp>
-      <p:sp>
-        <p:nvSpPr>
-          <p:cNvPr id="305" name="TextBox 304"/>
-          <p:cNvSpPr txBox="1"/>
-          <p:nvPr/>
-        </p:nvSpPr>
-        <p:spPr>
-          <a:xfrm>
-            <a:off x="76200" y="0"/>
-            <a:ext cx="1524000" cy="369332"/>
-          </a:xfrm>
-          <a:prstGeom prst="rect">
-            <a:avLst/>
-          </a:prstGeom>
-          <a:noFill/>
-        </p:spPr>
-        <p:txBody>
-          <a:bodyPr wrap="square" rtlCol="0">
-            <a:spAutoFit/>
-          </a:bodyPr>
-          <a:lstStyle/>
-          <a:p>
-            <a:pPr algn="ctr"/>
-            <a:r>
-              <a:rPr lang="en-US" dirty="0" smtClean="0"/>
-              <a:t>(1)</a:t>
-            </a:r>
-            <a:endParaRPr lang="en-US" dirty="0"/>
-          </a:p>
-        </p:txBody>
-      </p:sp>
-      <p:sp>
-        <p:nvSpPr>
-          <p:cNvPr id="306" name="TextBox 305"/>
-          <p:cNvSpPr txBox="1"/>
-          <p:nvPr/>
-        </p:nvSpPr>
-        <p:spPr>
-          <a:xfrm>
-            <a:off x="2743200" y="11668"/>
-            <a:ext cx="2057400" cy="369332"/>
-          </a:xfrm>
-          <a:prstGeom prst="rect">
-            <a:avLst/>
-          </a:prstGeom>
-          <a:noFill/>
-        </p:spPr>
-        <p:txBody>
-          <a:bodyPr wrap="square" rtlCol="0">
-            <a:spAutoFit/>
-          </a:bodyPr>
-          <a:lstStyle/>
-          <a:p>
-            <a:pPr algn="ctr"/>
-            <a:r>
-              <a:rPr lang="en-US" dirty="0" smtClean="0"/>
-              <a:t>(2)</a:t>
-            </a:r>
-            <a:endParaRPr lang="en-US" dirty="0"/>
-          </a:p>
-        </p:txBody>
-      </p:sp>
-      <p:sp>
-        <p:nvSpPr>
-          <p:cNvPr id="307" name="TextBox 306"/>
-          <p:cNvSpPr txBox="1"/>
-          <p:nvPr/>
-        </p:nvSpPr>
-        <p:spPr>
-          <a:xfrm>
-            <a:off x="5535880" y="0"/>
-            <a:ext cx="2998520" cy="369332"/>
-          </a:xfrm>
-          <a:prstGeom prst="rect">
-            <a:avLst/>
-          </a:prstGeom>
-          <a:noFill/>
-        </p:spPr>
-        <p:txBody>
-          <a:bodyPr wrap="square" rtlCol="0">
-            <a:spAutoFit/>
-          </a:bodyPr>
-          <a:lstStyle/>
-          <a:p>
-            <a:pPr algn="ctr"/>
-            <a:r>
-              <a:rPr lang="en-US" dirty="0" smtClean="0"/>
-              <a:t>(3)</a:t>
-            </a:r>
-            <a:endParaRPr lang="en-US" dirty="0"/>
-          </a:p>
-        </p:txBody>
-      </p:sp>
-      <p:sp>
-        <p:nvSpPr>
-          <p:cNvPr id="76" name="Rectangle 75"/>
+          <p:cNvPr id="96" name="Rectangle 95"/>
           <p:cNvSpPr/>
           <p:nvPr/>
         </p:nvSpPr>
         <p:spPr>
           <a:xfrm>
-            <a:off x="3144094" y="1086030"/>
-            <a:ext cx="1885106" cy="361770"/>
-          </a:xfrm>
-          <a:prstGeom prst="rect">
-            <a:avLst/>
-          </a:prstGeom>
-        </p:spPr>
-        <p:style>
-          <a:lnRef idx="2">
-            <a:schemeClr val="accent6">
-              <a:shade val="50000"/>
-            </a:schemeClr>
-          </a:lnRef>
-          <a:fillRef idx="1">
-            <a:schemeClr val="accent6"/>
-          </a:fillRef>
-          <a:effectRef idx="0">
-            <a:schemeClr val="accent6"/>
-          </a:effectRef>
-          <a:fontRef idx="minor">
-            <a:schemeClr val="lt1"/>
-          </a:fontRef>
-        </p:style>
-        <p:txBody>
-          <a:bodyPr rtlCol="0" anchor="ctr"/>
-          <a:lstStyle/>
-          <a:p>
-            <a:pPr algn="ctr"/>
-            <a:r>
-              <a:rPr lang="en-US" sz="1600" b="1" dirty="0" err="1" smtClean="0"/>
-              <a:t>CourseAttributes</a:t>
-            </a:r>
-            <a:endParaRPr lang="en-SG" sz="1600" b="1" dirty="0"/>
-          </a:p>
-        </p:txBody>
-      </p:sp>
-      <p:sp>
-        <p:nvSpPr>
-          <p:cNvPr id="79" name="TextBox 78"/>
-          <p:cNvSpPr txBox="1"/>
-          <p:nvPr/>
-        </p:nvSpPr>
-        <p:spPr>
-          <a:xfrm>
-            <a:off x="2916282" y="990600"/>
-            <a:ext cx="228600" cy="307777"/>
-          </a:xfrm>
-          <a:prstGeom prst="rect">
-            <a:avLst/>
-          </a:prstGeom>
-          <a:noFill/>
-        </p:spPr>
-        <p:txBody>
-          <a:bodyPr wrap="square" rtlCol="0">
-            <a:spAutoFit/>
-          </a:bodyPr>
-          <a:lstStyle/>
-          <a:p>
-            <a:r>
-              <a:rPr lang="en-US" sz="1400" b="1" dirty="0" smtClean="0">
-                <a:solidFill>
-                  <a:schemeClr val="accent5">
-                    <a:lumMod val="75000"/>
-                  </a:schemeClr>
-                </a:solidFill>
-              </a:rPr>
-              <a:t>1</a:t>
-            </a:r>
-            <a:endParaRPr lang="en-US" sz="1400" b="1" dirty="0">
-              <a:solidFill>
-                <a:schemeClr val="accent5">
-                  <a:lumMod val="75000"/>
-                </a:schemeClr>
-              </a:solidFill>
-            </a:endParaRPr>
-          </a:p>
-        </p:txBody>
-      </p:sp>
-      <p:sp>
-        <p:nvSpPr>
-          <p:cNvPr id="86" name="Rectangle 85"/>
-          <p:cNvSpPr/>
-          <p:nvPr/>
-        </p:nvSpPr>
-        <p:spPr>
-          <a:xfrm>
-            <a:off x="3187146" y="2133600"/>
-            <a:ext cx="2299253" cy="352019"/>
+            <a:off x="6019800" y="2334497"/>
+            <a:ext cx="2223166" cy="332503"/>
           </a:xfrm>
           <a:prstGeom prst="rect">
             <a:avLst/>
@@ -4291,7 +4122,7 @@
             <a:pPr algn="ctr"/>
             <a:r>
               <a:rPr lang="en-US" sz="1600" b="1" dirty="0" err="1" smtClean="0"/>
-              <a:t>SectionDetailsBundle</a:t>
+              <a:t>CourseRoster</a:t>
             </a:r>
             <a:endParaRPr lang="en-SG" sz="1600" b="1" dirty="0"/>
           </a:p>
@@ -4299,66 +4130,18 @@
       </p:sp>
       <p:sp>
         <p:nvSpPr>
-          <p:cNvPr id="87" name="TextBox 86"/>
-          <p:cNvSpPr txBox="1"/>
+          <p:cNvPr id="97" name="Rectangle 96"/>
+          <p:cNvSpPr/>
           <p:nvPr/>
         </p:nvSpPr>
         <p:spPr>
           <a:xfrm>
-            <a:off x="2958553" y="2057400"/>
-            <a:ext cx="228600" cy="369332"/>
+            <a:off x="5535880" y="460890"/>
+            <a:ext cx="2998520" cy="361770"/>
           </a:xfrm>
           <a:prstGeom prst="rect">
             <a:avLst/>
           </a:prstGeom>
-          <a:noFill/>
-        </p:spPr>
-        <p:txBody>
-          <a:bodyPr wrap="square" rtlCol="0">
-            <a:spAutoFit/>
-          </a:bodyPr>
-          <a:lstStyle/>
-          <a:p>
-            <a:r>
-              <a:rPr lang="en-US" dirty="0" smtClean="0">
-                <a:solidFill>
-                  <a:schemeClr val="accent5">
-                    <a:lumMod val="75000"/>
-                  </a:schemeClr>
-                </a:solidFill>
-              </a:rPr>
-              <a:t>*</a:t>
-            </a:r>
-            <a:endParaRPr lang="en-US" dirty="0">
-              <a:solidFill>
-                <a:schemeClr val="accent5">
-                  <a:lumMod val="75000"/>
-                </a:schemeClr>
-              </a:solidFill>
-            </a:endParaRPr>
-          </a:p>
-        </p:txBody>
-      </p:sp>
-      <p:cxnSp>
-        <p:nvCxnSpPr>
-          <p:cNvPr id="88" name="Elbow Connector 186"/>
-          <p:cNvCxnSpPr>
-            <a:stCxn id="275" idx="3"/>
-            <a:endCxn id="86" idx="1"/>
-          </p:cNvCxnSpPr>
-          <p:nvPr/>
-        </p:nvCxnSpPr>
-        <p:spPr>
-          <a:xfrm rot="16200000" flipH="1">
-            <a:off x="2381865" y="1504329"/>
-            <a:ext cx="1319010" cy="291551"/>
-          </a:xfrm>
-          <a:prstGeom prst="bentConnector2">
-            <a:avLst/>
-          </a:prstGeom>
-          <a:ln>
-            <a:tailEnd type="arrow"/>
-          </a:ln>
         </p:spPr>
         <p:style>
           <a:lnRef idx="2">
@@ -4376,38 +4159,6 @@
             <a:schemeClr val="lt1"/>
           </a:fontRef>
         </p:style>
-      </p:cxnSp>
-      <p:sp>
-        <p:nvSpPr>
-          <p:cNvPr id="96" name="Rectangle 95"/>
-          <p:cNvSpPr/>
-          <p:nvPr/>
-        </p:nvSpPr>
-        <p:spPr>
-          <a:xfrm>
-            <a:off x="6019800" y="2334497"/>
-            <a:ext cx="2223166" cy="332503"/>
-          </a:xfrm>
-          <a:prstGeom prst="rect">
-            <a:avLst/>
-          </a:prstGeom>
-        </p:spPr>
-        <p:style>
-          <a:lnRef idx="2">
-            <a:schemeClr val="accent5">
-              <a:shade val="50000"/>
-            </a:schemeClr>
-          </a:lnRef>
-          <a:fillRef idx="1">
-            <a:schemeClr val="accent5"/>
-          </a:fillRef>
-          <a:effectRef idx="0">
-            <a:schemeClr val="accent5"/>
-          </a:effectRef>
-          <a:fontRef idx="minor">
-            <a:schemeClr val="lt1"/>
-          </a:fontRef>
-        </p:style>
         <p:txBody>
           <a:bodyPr rtlCol="0" anchor="ctr"/>
           <a:lstStyle/>
@@ -4415,51 +4166,7 @@
             <a:pPr algn="ctr"/>
             <a:r>
               <a:rPr lang="en-US" sz="1600" b="1" dirty="0" err="1" smtClean="0"/>
-              <a:t>CourseRoster</a:t>
-            </a:r>
-            <a:endParaRPr lang="en-SG" sz="1600" b="1" dirty="0"/>
-          </a:p>
-        </p:txBody>
-      </p:sp>
-      <p:sp>
-        <p:nvSpPr>
-          <p:cNvPr id="97" name="Rectangle 96"/>
-          <p:cNvSpPr/>
-          <p:nvPr/>
-        </p:nvSpPr>
-        <p:spPr>
-          <a:xfrm>
-            <a:off x="5535880" y="460890"/>
-            <a:ext cx="2998520" cy="361770"/>
-          </a:xfrm>
-          <a:prstGeom prst="rect">
-            <a:avLst/>
-          </a:prstGeom>
-        </p:spPr>
-        <p:style>
-          <a:lnRef idx="2">
-            <a:schemeClr val="accent5">
-              <a:shade val="50000"/>
-            </a:schemeClr>
-          </a:lnRef>
-          <a:fillRef idx="1">
-            <a:schemeClr val="accent5"/>
-          </a:fillRef>
-          <a:effectRef idx="0">
-            <a:schemeClr val="accent5"/>
-          </a:effectRef>
-          <a:fontRef idx="minor">
-            <a:schemeClr val="lt1"/>
-          </a:fontRef>
-        </p:style>
-        <p:txBody>
-          <a:bodyPr rtlCol="0" anchor="ctr"/>
-          <a:lstStyle/>
-          <a:p>
-            <a:pPr algn="ctr"/>
-            <a:r>
-              <a:rPr lang="en-US" sz="1600" b="1" dirty="0" err="1" smtClean="0"/>
-              <a:t>FeedbackSessionResultsBundle</a:t>
+              <a:t>SessionResultsBundle</a:t>
             </a:r>
             <a:endParaRPr lang="en-SG" sz="1600" b="1" dirty="0"/>
           </a:p>
@@ -5003,74 +4710,19 @@
           </a:p>
         </p:txBody>
       </p:sp>
-      <p:sp>
-        <p:nvSpPr>
-          <p:cNvPr id="61" name="Rectangle 60"/>
-          <p:cNvSpPr/>
-          <p:nvPr/>
-        </p:nvSpPr>
-        <p:spPr>
-          <a:xfrm>
-            <a:off x="3187151" y="1600200"/>
-            <a:ext cx="2299249" cy="448928"/>
-          </a:xfrm>
-          <a:prstGeom prst="rect">
-            <a:avLst/>
-          </a:prstGeom>
-        </p:spPr>
-        <p:style>
-          <a:lnRef idx="2">
-            <a:schemeClr val="accent5">
-              <a:shade val="50000"/>
-            </a:schemeClr>
-          </a:lnRef>
-          <a:fillRef idx="1">
-            <a:schemeClr val="accent5"/>
-          </a:fillRef>
-          <a:effectRef idx="0">
-            <a:schemeClr val="accent5"/>
-          </a:effectRef>
-          <a:fontRef idx="minor">
-            <a:schemeClr val="lt1"/>
-          </a:fontRef>
-        </p:style>
-        <p:txBody>
-          <a:bodyPr rtlCol="0" anchor="ctr"/>
-          <a:lstStyle/>
-          <a:p>
-            <a:pPr algn="ctr"/>
-            <a:r>
-              <a:rPr lang="en-US" sz="1600" b="1" dirty="0" err="1" smtClean="0"/>
-              <a:t>FeedbackSession</a:t>
-            </a:r>
-            <a:r>
-              <a:rPr lang="en-US" sz="1600" b="1" dirty="0" smtClean="0"/>
-              <a:t/>
-            </a:r>
-            <a:br>
-              <a:rPr lang="en-US" sz="1600" b="1" dirty="0" smtClean="0"/>
-            </a:br>
-            <a:r>
-              <a:rPr lang="en-US" sz="1600" b="1" dirty="0" err="1" smtClean="0"/>
-              <a:t>DetailsBundle</a:t>
-            </a:r>
-            <a:endParaRPr lang="en-SG" sz="1600" b="1" dirty="0"/>
-          </a:p>
-        </p:txBody>
-      </p:sp>
       <p:cxnSp>
         <p:nvCxnSpPr>
           <p:cNvPr id="62" name="Elbow Connector 186"/>
           <p:cNvCxnSpPr>
             <a:stCxn id="275" idx="3"/>
-            <a:endCxn id="61" idx="1"/>
+            <a:endCxn id="68" idx="1"/>
           </p:cNvCxnSpPr>
           <p:nvPr/>
         </p:nvCxnSpPr>
         <p:spPr>
           <a:xfrm rot="16200000" flipH="1">
-            <a:off x="2624341" y="1261854"/>
-            <a:ext cx="834064" cy="291556"/>
+            <a:off x="2636513" y="1249681"/>
+            <a:ext cx="809715" cy="291551"/>
           </a:xfrm>
           <a:prstGeom prst="bentConnector2">
             <a:avLst/>
@@ -5140,180 +4792,13 @@
       </p:sp>
       <p:sp>
         <p:nvSpPr>
-          <p:cNvPr id="64" name="Flowchart: Decision 63"/>
-          <p:cNvSpPr/>
-          <p:nvPr/>
-        </p:nvSpPr>
-        <p:spPr>
-          <a:xfrm rot="5400000">
-            <a:off x="3263347" y="2514600"/>
-            <a:ext cx="152400" cy="152400"/>
-          </a:xfrm>
-          <a:prstGeom prst="flowChartDecision">
-            <a:avLst/>
-          </a:prstGeom>
-          <a:solidFill>
-            <a:schemeClr val="bg1"/>
-          </a:solidFill>
-        </p:spPr>
-        <p:style>
-          <a:lnRef idx="2">
-            <a:schemeClr val="accent5">
-              <a:shade val="50000"/>
-            </a:schemeClr>
-          </a:lnRef>
-          <a:fillRef idx="1">
-            <a:schemeClr val="accent5"/>
-          </a:fillRef>
-          <a:effectRef idx="0">
-            <a:schemeClr val="accent5"/>
-          </a:effectRef>
-          <a:fontRef idx="minor">
-            <a:schemeClr val="lt1"/>
-          </a:fontRef>
-        </p:style>
-        <p:txBody>
-          <a:bodyPr rtlCol="0" anchor="ctr"/>
-          <a:lstStyle/>
-          <a:p>
-            <a:pPr algn="ctr"/>
-            <a:endParaRPr lang="en-US"/>
-          </a:p>
-        </p:txBody>
-      </p:sp>
-      <p:sp>
-        <p:nvSpPr>
-          <p:cNvPr id="65" name="TextBox 64"/>
-          <p:cNvSpPr txBox="1"/>
-          <p:nvPr/>
-        </p:nvSpPr>
-        <p:spPr>
-          <a:xfrm>
-            <a:off x="3339552" y="2514600"/>
-            <a:ext cx="228600" cy="369332"/>
-          </a:xfrm>
-          <a:prstGeom prst="rect">
-            <a:avLst/>
-          </a:prstGeom>
-          <a:noFill/>
-        </p:spPr>
-        <p:txBody>
-          <a:bodyPr wrap="square" rtlCol="0">
-            <a:spAutoFit/>
-          </a:bodyPr>
-          <a:lstStyle/>
-          <a:p>
-            <a:r>
-              <a:rPr lang="en-US" dirty="0" smtClean="0">
-                <a:solidFill>
-                  <a:schemeClr val="accent5">
-                    <a:lumMod val="75000"/>
-                  </a:schemeClr>
-                </a:solidFill>
-              </a:rPr>
-              <a:t>*</a:t>
-            </a:r>
-            <a:endParaRPr lang="en-US" dirty="0">
-              <a:solidFill>
-                <a:schemeClr val="accent5">
-                  <a:lumMod val="75000"/>
-                </a:schemeClr>
-              </a:solidFill>
-            </a:endParaRPr>
-          </a:p>
-        </p:txBody>
-      </p:sp>
-      <p:sp>
-        <p:nvSpPr>
-          <p:cNvPr id="66" name="Rectangle 65"/>
-          <p:cNvSpPr/>
-          <p:nvPr/>
-        </p:nvSpPr>
-        <p:spPr>
-          <a:xfrm>
-            <a:off x="3644347" y="2667000"/>
-            <a:ext cx="2299253" cy="352019"/>
-          </a:xfrm>
-          <a:prstGeom prst="rect">
-            <a:avLst/>
-          </a:prstGeom>
-        </p:spPr>
-        <p:style>
-          <a:lnRef idx="2">
-            <a:schemeClr val="accent5">
-              <a:shade val="50000"/>
-            </a:schemeClr>
-          </a:lnRef>
-          <a:fillRef idx="1">
-            <a:schemeClr val="accent5"/>
-          </a:fillRef>
-          <a:effectRef idx="0">
-            <a:schemeClr val="accent5"/>
-          </a:effectRef>
-          <a:fontRef idx="minor">
-            <a:schemeClr val="lt1"/>
-          </a:fontRef>
-        </p:style>
-        <p:txBody>
-          <a:bodyPr rtlCol="0" anchor="ctr"/>
-          <a:lstStyle/>
-          <a:p>
-            <a:pPr algn="ctr"/>
-            <a:r>
-              <a:rPr lang="en-US" sz="1600" b="1" dirty="0" err="1" smtClean="0"/>
-              <a:t>TeamDetailsBundle</a:t>
-            </a:r>
-            <a:endParaRPr lang="en-SG" sz="1600" b="1" dirty="0"/>
-          </a:p>
-        </p:txBody>
-      </p:sp>
-      <p:cxnSp>
-        <p:nvCxnSpPr>
-          <p:cNvPr id="67" name="Elbow Connector 186"/>
-          <p:cNvCxnSpPr>
-            <a:stCxn id="64" idx="3"/>
-            <a:endCxn id="66" idx="1"/>
-          </p:cNvCxnSpPr>
-          <p:nvPr/>
-        </p:nvCxnSpPr>
-        <p:spPr>
-          <a:xfrm rot="16200000" flipH="1">
-            <a:off x="3403942" y="2602605"/>
-            <a:ext cx="176010" cy="304800"/>
-          </a:xfrm>
-          <a:prstGeom prst="bentConnector2">
-            <a:avLst/>
-          </a:prstGeom>
-          <a:ln>
-            <a:tailEnd type="arrow"/>
-          </a:ln>
-        </p:spPr>
-        <p:style>
-          <a:lnRef idx="2">
-            <a:schemeClr val="accent5">
-              <a:shade val="50000"/>
-            </a:schemeClr>
-          </a:lnRef>
-          <a:fillRef idx="1">
-            <a:schemeClr val="accent5"/>
-          </a:fillRef>
-          <a:effectRef idx="0">
-            <a:schemeClr val="accent5"/>
-          </a:effectRef>
-          <a:fontRef idx="minor">
-            <a:schemeClr val="lt1"/>
-          </a:fontRef>
-        </p:style>
-      </p:cxnSp>
-      <p:sp>
-        <p:nvSpPr>
           <p:cNvPr id="89" name="TextBox 88"/>
           <p:cNvSpPr txBox="1"/>
           <p:nvPr/>
         </p:nvSpPr>
         <p:spPr>
           <a:xfrm>
-            <a:off x="5715000" y="2057400"/>
+            <a:off x="5715000" y="2206823"/>
             <a:ext cx="228600" cy="307777"/>
           </a:xfrm>
           <a:prstGeom prst="rect">
@@ -5553,6 +5038,326 @@
           </a:fontRef>
         </p:style>
       </p:cxnSp>
+      <p:sp>
+        <p:nvSpPr>
+          <p:cNvPr id="68" name="Rectangle 67"/>
+          <p:cNvSpPr/>
+          <p:nvPr/>
+        </p:nvSpPr>
+        <p:spPr>
+          <a:xfrm>
+            <a:off x="3187146" y="1619430"/>
+            <a:ext cx="2007926" cy="361770"/>
+          </a:xfrm>
+          <a:prstGeom prst="rect">
+            <a:avLst/>
+          </a:prstGeom>
+        </p:spPr>
+        <p:style>
+          <a:lnRef idx="2">
+            <a:schemeClr val="accent6">
+              <a:shade val="50000"/>
+            </a:schemeClr>
+          </a:lnRef>
+          <a:fillRef idx="1">
+            <a:schemeClr val="accent6"/>
+          </a:fillRef>
+          <a:effectRef idx="0">
+            <a:schemeClr val="accent6"/>
+          </a:effectRef>
+          <a:fontRef idx="minor">
+            <a:schemeClr val="lt1"/>
+          </a:fontRef>
+        </p:style>
+        <p:txBody>
+          <a:bodyPr rtlCol="0" anchor="ctr"/>
+          <a:lstStyle/>
+          <a:p>
+            <a:pPr algn="ctr"/>
+            <a:r>
+              <a:rPr lang="en-US" sz="1600" b="1" dirty="0" err="1" smtClean="0"/>
+              <a:t>StudentAttributes</a:t>
+            </a:r>
+            <a:endParaRPr lang="en-SG" sz="1600" b="1" dirty="0"/>
+          </a:p>
+        </p:txBody>
+      </p:sp>
+      <p:sp>
+        <p:nvSpPr>
+          <p:cNvPr id="69" name="Rectangle 68"/>
+          <p:cNvSpPr/>
+          <p:nvPr/>
+        </p:nvSpPr>
+        <p:spPr>
+          <a:xfrm>
+            <a:off x="3192896" y="2128724"/>
+            <a:ext cx="2007926" cy="555093"/>
+          </a:xfrm>
+          <a:prstGeom prst="rect">
+            <a:avLst/>
+          </a:prstGeom>
+        </p:spPr>
+        <p:style>
+          <a:lnRef idx="2">
+            <a:schemeClr val="accent6">
+              <a:shade val="50000"/>
+            </a:schemeClr>
+          </a:lnRef>
+          <a:fillRef idx="1">
+            <a:schemeClr val="accent6"/>
+          </a:fillRef>
+          <a:effectRef idx="0">
+            <a:schemeClr val="accent6"/>
+          </a:effectRef>
+          <a:fontRef idx="minor">
+            <a:schemeClr val="lt1"/>
+          </a:fontRef>
+        </p:style>
+        <p:txBody>
+          <a:bodyPr rtlCol="0" anchor="ctr"/>
+          <a:lstStyle/>
+          <a:p>
+            <a:pPr algn="ctr"/>
+            <a:r>
+              <a:rPr lang="en-US" sz="1600" b="1" dirty="0" err="1" smtClean="0"/>
+              <a:t>FeedbackResponse</a:t>
+            </a:r>
+            <a:r>
+              <a:rPr lang="en-US" sz="1600" b="1" dirty="0" smtClean="0"/>
+              <a:t/>
+            </a:r>
+            <a:br>
+              <a:rPr lang="en-US" sz="1600" b="1" dirty="0" smtClean="0"/>
+            </a:br>
+            <a:r>
+              <a:rPr lang="en-US" sz="1600" b="1" dirty="0" err="1" smtClean="0"/>
+              <a:t>CommentAttributes</a:t>
+            </a:r>
+            <a:endParaRPr lang="en-SG" sz="1600" b="1" dirty="0"/>
+          </a:p>
+        </p:txBody>
+      </p:sp>
+      <p:sp>
+        <p:nvSpPr>
+          <p:cNvPr id="70" name="Rectangle 69"/>
+          <p:cNvSpPr/>
+          <p:nvPr/>
+        </p:nvSpPr>
+        <p:spPr>
+          <a:xfrm>
+            <a:off x="3176669" y="1088185"/>
+            <a:ext cx="2007926" cy="361770"/>
+          </a:xfrm>
+          <a:prstGeom prst="rect">
+            <a:avLst/>
+          </a:prstGeom>
+        </p:spPr>
+        <p:style>
+          <a:lnRef idx="2">
+            <a:schemeClr val="accent6">
+              <a:shade val="50000"/>
+            </a:schemeClr>
+          </a:lnRef>
+          <a:fillRef idx="1">
+            <a:schemeClr val="accent6"/>
+          </a:fillRef>
+          <a:effectRef idx="0">
+            <a:schemeClr val="accent6"/>
+          </a:effectRef>
+          <a:fontRef idx="minor">
+            <a:schemeClr val="lt1"/>
+          </a:fontRef>
+        </p:style>
+        <p:txBody>
+          <a:bodyPr rtlCol="0" anchor="ctr"/>
+          <a:lstStyle/>
+          <a:p>
+            <a:pPr algn="ctr"/>
+            <a:r>
+              <a:rPr lang="en-US" sz="1600" b="1" dirty="0" err="1" smtClean="0"/>
+              <a:t>InstructorAttributes</a:t>
+            </a:r>
+            <a:endParaRPr lang="en-SG" sz="1600" b="1" dirty="0"/>
+          </a:p>
+        </p:txBody>
+      </p:sp>
+      <p:sp>
+        <p:nvSpPr>
+          <p:cNvPr id="71" name="TextBox 70"/>
+          <p:cNvSpPr txBox="1"/>
+          <p:nvPr/>
+        </p:nvSpPr>
+        <p:spPr>
+          <a:xfrm>
+            <a:off x="2944887" y="1000331"/>
+            <a:ext cx="228600" cy="369332"/>
+          </a:xfrm>
+          <a:prstGeom prst="rect">
+            <a:avLst/>
+          </a:prstGeom>
+          <a:noFill/>
+        </p:spPr>
+        <p:txBody>
+          <a:bodyPr wrap="square" rtlCol="0">
+            <a:spAutoFit/>
+          </a:bodyPr>
+          <a:lstStyle/>
+          <a:p>
+            <a:r>
+              <a:rPr lang="en-US" dirty="0" smtClean="0">
+                <a:solidFill>
+                  <a:schemeClr val="accent5">
+                    <a:lumMod val="75000"/>
+                  </a:schemeClr>
+                </a:solidFill>
+              </a:rPr>
+              <a:t>*</a:t>
+            </a:r>
+            <a:endParaRPr lang="en-US" dirty="0">
+              <a:solidFill>
+                <a:schemeClr val="accent5">
+                  <a:lumMod val="75000"/>
+                </a:schemeClr>
+              </a:solidFill>
+            </a:endParaRPr>
+          </a:p>
+        </p:txBody>
+      </p:sp>
+      <p:sp>
+        <p:nvSpPr>
+          <p:cNvPr id="72" name="Rectangle 71"/>
+          <p:cNvSpPr/>
+          <p:nvPr/>
+        </p:nvSpPr>
+        <p:spPr>
+          <a:xfrm>
+            <a:off x="3197318" y="2865729"/>
+            <a:ext cx="2007926" cy="534785"/>
+          </a:xfrm>
+          <a:prstGeom prst="rect">
+            <a:avLst/>
+          </a:prstGeom>
+        </p:spPr>
+        <p:style>
+          <a:lnRef idx="2">
+            <a:schemeClr val="accent6">
+              <a:shade val="50000"/>
+            </a:schemeClr>
+          </a:lnRef>
+          <a:fillRef idx="1">
+            <a:schemeClr val="accent6"/>
+          </a:fillRef>
+          <a:effectRef idx="0">
+            <a:schemeClr val="accent6"/>
+          </a:effectRef>
+          <a:fontRef idx="minor">
+            <a:schemeClr val="lt1"/>
+          </a:fontRef>
+        </p:style>
+        <p:txBody>
+          <a:bodyPr rtlCol="0" anchor="ctr"/>
+          <a:lstStyle/>
+          <a:p>
+            <a:pPr algn="ctr"/>
+            <a:r>
+              <a:rPr lang="en-US" sz="1600" b="1" dirty="0" err="1" smtClean="0"/>
+              <a:t>FeedbackSession</a:t>
+            </a:r>
+            <a:r>
+              <a:rPr lang="en-US" sz="1600" b="1" dirty="0" smtClean="0"/>
+              <a:t/>
+            </a:r>
+            <a:br>
+              <a:rPr lang="en-US" sz="1600" b="1" dirty="0" smtClean="0"/>
+            </a:br>
+            <a:r>
+              <a:rPr lang="en-US" sz="1600" b="1" dirty="0" smtClean="0"/>
+              <a:t>Attributes</a:t>
+            </a:r>
+            <a:endParaRPr lang="en-SG" sz="1600" b="1" dirty="0"/>
+          </a:p>
+        </p:txBody>
+      </p:sp>
+      <p:cxnSp>
+        <p:nvCxnSpPr>
+          <p:cNvPr id="73" name="Elbow Connector 186"/>
+          <p:cNvCxnSpPr>
+            <a:stCxn id="275" idx="3"/>
+            <a:endCxn id="72" idx="1"/>
+          </p:cNvCxnSpPr>
+          <p:nvPr/>
+        </p:nvCxnSpPr>
+        <p:spPr>
+          <a:xfrm rot="16200000" flipH="1">
+            <a:off x="1975195" y="1910999"/>
+            <a:ext cx="2142522" cy="301723"/>
+          </a:xfrm>
+          <a:prstGeom prst="bentConnector2">
+            <a:avLst/>
+          </a:prstGeom>
+          <a:ln>
+            <a:tailEnd type="arrow"/>
+          </a:ln>
+        </p:spPr>
+        <p:style>
+          <a:lnRef idx="2">
+            <a:schemeClr val="accent5">
+              <a:shade val="50000"/>
+            </a:schemeClr>
+          </a:lnRef>
+          <a:fillRef idx="1">
+            <a:schemeClr val="accent5"/>
+          </a:fillRef>
+          <a:effectRef idx="0">
+            <a:schemeClr val="accent5"/>
+          </a:effectRef>
+          <a:fontRef idx="minor">
+            <a:schemeClr val="lt1"/>
+          </a:fontRef>
+        </p:style>
+      </p:cxnSp>
+      <p:sp>
+        <p:nvSpPr>
+          <p:cNvPr id="74" name="TextBox 73"/>
+          <p:cNvSpPr txBox="1"/>
+          <p:nvPr/>
+        </p:nvSpPr>
+        <p:spPr>
+          <a:xfrm>
+            <a:off x="2963440" y="2819398"/>
+            <a:ext cx="228600" cy="369332"/>
+          </a:xfrm>
+          <a:prstGeom prst="rect">
+            <a:avLst/>
+          </a:prstGeom>
+          <a:noFill/>
+        </p:spPr>
+        <p:txBody>
+          <a:bodyPr wrap="square" rtlCol="0">
+            <a:spAutoFit/>
+          </a:bodyPr>
+          <a:lstStyle/>
+          <a:p>
+            <a:r>
+              <a:rPr lang="en-US" dirty="0" smtClean="0">
+                <a:solidFill>
+                  <a:schemeClr val="accent5">
+                    <a:lumMod val="75000"/>
+                  </a:schemeClr>
+                </a:solidFill>
+              </a:rPr>
+              <a:t>*</a:t>
+            </a:r>
+            <a:endParaRPr lang="en-US" dirty="0">
+              <a:solidFill>
+                <a:schemeClr val="accent5">
+                  <a:lumMod val="75000"/>
+                </a:schemeClr>
+              </a:solidFill>
+            </a:endParaRPr>
+          </a:p>
+        </p:txBody>
+      </p:sp>
     </p:spTree>
     <p:extLst>
       <p:ext uri="{BB962C8B-B14F-4D97-AF65-F5344CB8AC3E}">
